--- a/3rd-phase/分布式消息队列.pptx
+++ b/3rd-phase/分布式消息队列.pptx
@@ -234,7 +234,7 @@
           <a:p>
             <a:fld id="{59C66384-3661-4C17-BD11-41EFBDEF21B0}" type="datetimeFigureOut">
               <a:rPr lang="zh-CN" altLang="en-US" smtClean="0"/>
-              <a:t>2014/9/26</a:t>
+              <a:t>2014/11/3</a:t>
             </a:fld>
             <a:endParaRPr lang="zh-CN" altLang="en-US"/>
           </a:p>
@@ -2855,7 +2855,7 @@
           <a:p>
             <a:fld id="{D32348BB-8BDF-45DB-BBF9-437DA303B00D}" type="datetimeFigureOut">
               <a:rPr lang="zh-CN" altLang="en-US" smtClean="0"/>
-              <a:t>2014/9/26</a:t>
+              <a:t>2014/11/3</a:t>
             </a:fld>
             <a:endParaRPr lang="zh-CN" altLang="en-US"/>
           </a:p>
@@ -3036,7 +3036,7 @@
           <a:p>
             <a:fld id="{D32348BB-8BDF-45DB-BBF9-437DA303B00D}" type="datetimeFigureOut">
               <a:rPr lang="zh-CN" altLang="en-US" smtClean="0"/>
-              <a:t>2014/9/26</a:t>
+              <a:t>2014/11/3</a:t>
             </a:fld>
             <a:endParaRPr lang="zh-CN" altLang="en-US"/>
           </a:p>
@@ -3187,7 +3187,7 @@
           <a:p>
             <a:fld id="{D32348BB-8BDF-45DB-BBF9-437DA303B00D}" type="datetimeFigureOut">
               <a:rPr lang="zh-CN" altLang="en-US" smtClean="0"/>
-              <a:t>2014/9/26</a:t>
+              <a:t>2014/11/3</a:t>
             </a:fld>
             <a:endParaRPr lang="zh-CN" altLang="en-US"/>
           </a:p>
@@ -5013,7 +5013,7 @@
           <a:p>
             <a:fld id="{D32348BB-8BDF-45DB-BBF9-437DA303B00D}" type="datetimeFigureOut">
               <a:rPr lang="zh-CN" altLang="en-US" smtClean="0"/>
-              <a:t>2014/9/26</a:t>
+              <a:t>2014/11/3</a:t>
             </a:fld>
             <a:endParaRPr lang="zh-CN" altLang="en-US"/>
           </a:p>
@@ -6883,7 +6883,7 @@
           <a:p>
             <a:fld id="{D32348BB-8BDF-45DB-BBF9-437DA303B00D}" type="datetimeFigureOut">
               <a:rPr lang="zh-CN" altLang="en-US" smtClean="0"/>
-              <a:t>2014/9/26</a:t>
+              <a:t>2014/11/3</a:t>
             </a:fld>
             <a:endParaRPr lang="zh-CN" altLang="en-US"/>
           </a:p>
@@ -6996,7 +6996,7 @@
           <a:p>
             <a:fld id="{D32348BB-8BDF-45DB-BBF9-437DA303B00D}" type="datetimeFigureOut">
               <a:rPr lang="zh-CN" altLang="en-US" smtClean="0"/>
-              <a:t>2014/9/26</a:t>
+              <a:t>2014/11/3</a:t>
             </a:fld>
             <a:endParaRPr lang="zh-CN" altLang="en-US"/>
           </a:p>
@@ -7537,7 +7537,7 @@
           <a:p>
             <a:fld id="{D32348BB-8BDF-45DB-BBF9-437DA303B00D}" type="datetimeFigureOut">
               <a:rPr lang="zh-CN" altLang="en-US" smtClean="0"/>
-              <a:t>2014/9/26</a:t>
+              <a:t>2014/11/3</a:t>
             </a:fld>
             <a:endParaRPr lang="zh-CN" altLang="en-US"/>
           </a:p>
@@ -7650,7 +7650,7 @@
           <a:p>
             <a:fld id="{D32348BB-8BDF-45DB-BBF9-437DA303B00D}" type="datetimeFigureOut">
               <a:rPr lang="zh-CN" altLang="en-US" smtClean="0"/>
-              <a:t>2014/9/26</a:t>
+              <a:t>2014/11/3</a:t>
             </a:fld>
             <a:endParaRPr lang="zh-CN" altLang="en-US"/>
           </a:p>
@@ -9361,7 +9361,7 @@
           <a:p>
             <a:fld id="{D32348BB-8BDF-45DB-BBF9-437DA303B00D}" type="datetimeFigureOut">
               <a:rPr lang="zh-CN" altLang="en-US" smtClean="0"/>
-              <a:t>2014/9/26</a:t>
+              <a:t>2014/11/3</a:t>
             </a:fld>
             <a:endParaRPr lang="zh-CN" altLang="en-US"/>
           </a:p>
@@ -9512,7 +9512,7 @@
           <a:p>
             <a:fld id="{D32348BB-8BDF-45DB-BBF9-437DA303B00D}" type="datetimeFigureOut">
               <a:rPr lang="zh-CN" altLang="en-US" smtClean="0"/>
-              <a:t>2014/9/26</a:t>
+              <a:t>2014/11/3</a:t>
             </a:fld>
             <a:endParaRPr lang="zh-CN" altLang="en-US"/>
           </a:p>
@@ -13127,7 +13127,7 @@
           <a:p>
             <a:fld id="{D32348BB-8BDF-45DB-BBF9-437DA303B00D}" type="datetimeFigureOut">
               <a:rPr lang="zh-CN" altLang="en-US" smtClean="0"/>
-              <a:t>2014/9/26</a:t>
+              <a:t>2014/11/3</a:t>
             </a:fld>
             <a:endParaRPr lang="zh-CN" altLang="en-US"/>
           </a:p>
@@ -14986,7 +14986,7 @@
           <a:p>
             <a:fld id="{D32348BB-8BDF-45DB-BBF9-437DA303B00D}" type="datetimeFigureOut">
               <a:rPr lang="zh-CN" altLang="en-US" smtClean="0"/>
-              <a:t>2014/9/26</a:t>
+              <a:t>2014/11/3</a:t>
             </a:fld>
             <a:endParaRPr lang="zh-CN" altLang="en-US"/>
           </a:p>
@@ -15546,7 +15546,15 @@
             </a:r>
             <a:r>
               <a:rPr lang="zh-CN" altLang="en-US" dirty="0" smtClean="0"/>
-              <a:t>原理与实现</a:t>
+              <a:t>原理</a:t>
+            </a:r>
+            <a:r>
+              <a:rPr lang="zh-CN" altLang="en-US" dirty="0" smtClean="0"/>
+              <a:t>与</a:t>
+            </a:r>
+            <a:r>
+              <a:rPr lang="zh-CN" altLang="en-US" dirty="0"/>
+              <a:t>实践</a:t>
             </a:r>
             <a:endParaRPr lang="en-US" altLang="zh-CN" dirty="0" smtClean="0"/>
           </a:p>
@@ -21240,11 +21248,7 @@
           <a:p>
             <a:r>
               <a:rPr lang="zh-CN" altLang="en-US" dirty="0" smtClean="0"/>
-              <a:t>消息</a:t>
-            </a:r>
-            <a:r>
-              <a:rPr lang="zh-CN" altLang="en-US" dirty="0" smtClean="0"/>
-              <a:t>如何传递</a:t>
+              <a:t>消息如何传递</a:t>
             </a:r>
             <a:endParaRPr lang="zh-CN" altLang="en-US" dirty="0"/>
           </a:p>
